--- a/Werkversie/presentaties/MIM 2.0 Gedachten en denkrichting.pptx
+++ b/Werkversie/presentaties/MIM 2.0 Gedachten en denkrichting.pptx
@@ -7593,7 +7593,7 @@
         <p:spPr>
           <a:xfrm>
             <a:off x="5004048" y="2723994"/>
-            <a:ext cx="2812693" cy="553998"/>
+            <a:ext cx="3372142" cy="553998"/>
           </a:xfrm>
           <a:prstGeom prst="rect">
             <a:avLst/>
@@ -7618,7 +7618,7 @@
             </a:r>
             <a:r>
               <a:rPr lang="en-NL" sz="1200" i="1" dirty="0"/>
-              <a:t>bv: groep gegevens over hetzelfde object)</a:t>
+              <a:t>bv: groep gegevens over hetzelfde (domein)object)</a:t>
             </a:r>
             <a:endParaRPr lang="en-NL" sz="1200" dirty="0"/>
           </a:p>
@@ -9841,7 +9841,7 @@
             </a:pPr>
             <a:r>
               <a:rPr lang="en-NL" dirty="0"/>
-              <a:t>Herkenbare begrippen voor “de dingen in de werkelijkheid” (M0)</a:t>
+              <a:t>Herkenbare begrippen voor “de dingen in de werkelijkheid” (M0 - werkelijkheid)</a:t>
             </a:r>
           </a:p>
           <a:p>
@@ -9865,7 +9865,7 @@
             </a:pPr>
             <a:r>
               <a:rPr lang="en-NL" dirty="0"/>
-              <a:t>Herkenbare begrippen voor “de gegevens, zoals we ze verwerken”</a:t>
+              <a:t>Herkenbare begrippen voor “de gegevens, zoals we ze verwerken” (M0 - gegevens)</a:t>
             </a:r>
           </a:p>
           <a:p>
@@ -10047,7 +10047,7 @@
             </a:pPr>
             <a:r>
               <a:rPr lang="en-NL" dirty="0"/>
-              <a:t>Herkenbare begrippen voor “de dingen in de werkelijkheid” (M0)</a:t>
+              <a:t>Herkenbare begrippen voor “de dingen in de werkelijkheid” (M0 - werkelijkheid)</a:t>
             </a:r>
             <a:br>
               <a:rPr lang="en-NL" dirty="0"/>
@@ -10083,7 +10083,7 @@
             </a:pPr>
             <a:r>
               <a:rPr lang="en-NL" dirty="0"/>
-              <a:t>Herkenbare begrippen voor “de gegevens, zoals we ze verwerken”</a:t>
+              <a:t>Herkenbare begrippen voor “de gegevens, zoals we ze verwerken” (M0 - gegevens)</a:t>
             </a:r>
             <a:br>
               <a:rPr lang="en-NL" dirty="0"/>
@@ -10273,7 +10273,7 @@
             </a:pPr>
             <a:r>
               <a:rPr lang="en-NL" dirty="0"/>
-              <a:t>Herkenbare begrippen voor “de dingen in de werkelijkheid” (M0)</a:t>
+              <a:t>Herkenbare begrippen voor “de dingen in de werkelijkheid” (M0 - werkelijkheid)</a:t>
             </a:r>
             <a:br>
               <a:rPr lang="en-NL" dirty="0"/>
@@ -10324,7 +10324,7 @@
             </a:pPr>
             <a:r>
               <a:rPr lang="en-NL" dirty="0"/>
-              <a:t>Herkenbare begrippen voor “de gegevens, zoals we ze verwerken”</a:t>
+              <a:t>Herkenbare begrippen voor “de gegevens, zoals we ze verwerken” (M0 - gegevens)</a:t>
             </a:r>
             <a:br>
               <a:rPr lang="en-NL" dirty="0"/>
